--- a/Day 1/day_1.pptx
+++ b/Day 1/day_1.pptx
@@ -2029,41 +2029,41 @@
     </dgm:pt>
   </dgm:ptLst>
   <dgm:cxnLst>
-    <dgm:cxn modelId="{DF9D8C24-7287-AC4F-A8D5-6BF7E4B489B1}" type="presOf" srcId="{6CFB21BE-CFD4-0248-B203-B5796ED731C9}" destId="{BC29C205-2903-7C44-98CC-4B4476958047}" srcOrd="0" destOrd="0" presId="urn:microsoft.com/office/officeart/2008/layout/LinedList"/>
-    <dgm:cxn modelId="{87071A60-9CA1-1F49-8717-7A1E3C17990A}" srcId="{D05B3C02-FD92-C347-9F09-9DF992DF4D80}" destId="{D76CE44C-A11A-834F-8781-AFE717D091C8}" srcOrd="1" destOrd="0" parTransId="{53E8F4ED-8AB2-B54C-BCAE-40D99100CAA7}" sibTransId="{72B91639-3147-0B4C-A9B7-072021E99EBB}"/>
+    <dgm:cxn modelId="{F26880A0-2108-5D42-A2ED-6ADAD663DE93}" srcId="{4C39268B-BCDE-1B4A-B5AC-0F898BF56904}" destId="{B3DF4F35-D464-5C49-BAC1-2F7D97F0B39D}" srcOrd="0" destOrd="0" parTransId="{F6E5DBAA-CF3C-0549-8ECC-C69897B7714F}" sibTransId="{A1F7F69F-BBF7-4140-BBB6-22FDC46730ED}"/>
+    <dgm:cxn modelId="{9F5D666F-7802-6A4D-A210-A694C8C661FA}" type="presOf" srcId="{D3D9E142-4CB1-0442-A23A-D2A3957DBD1D}" destId="{57993E56-2FD0-514F-A1C9-7855F95946B1}" srcOrd="0" destOrd="0" presId="urn:microsoft.com/office/officeart/2008/layout/LinedList"/>
+    <dgm:cxn modelId="{C67FC2B3-68F5-5B4F-8BFB-5904FEC445B9}" srcId="{414C36E1-42CF-1548-999E-3A0ACD937219}" destId="{A5C11183-F7CD-5643-8605-5A2F1F246FC8}" srcOrd="1" destOrd="0" parTransId="{3B7E8A20-556B-8346-A8BE-E09D1DE6DAD0}" sibTransId="{3A9C11EF-6071-3143-81DA-0B2E891ADD6A}"/>
+    <dgm:cxn modelId="{DD3DE90A-003F-3946-BE17-98D3E17BA3F5}" type="presOf" srcId="{5F607D2B-2134-B24B-B6A0-8940C92467D7}" destId="{F29452B0-A4F2-BF4B-BBD4-59E54A6F1A67}" srcOrd="0" destOrd="0" presId="urn:microsoft.com/office/officeart/2008/layout/LinedList"/>
+    <dgm:cxn modelId="{F5C0D6B0-CFFB-614C-B5B8-C09FA87EAF46}" srcId="{414C36E1-42CF-1548-999E-3A0ACD937219}" destId="{5F607D2B-2134-B24B-B6A0-8940C92467D7}" srcOrd="2" destOrd="0" parTransId="{7F966082-391F-F640-936E-F363D04E7403}" sibTransId="{75ED8A9C-9231-CA4B-8AD9-3A89C3A0E223}"/>
+    <dgm:cxn modelId="{AD6C18EB-20AE-1949-9AF4-E2A74CE43CE1}" srcId="{68981A59-F4E1-D14B-A93E-C071A0404166}" destId="{4C39268B-BCDE-1B4A-B5AC-0F898BF56904}" srcOrd="2" destOrd="0" parTransId="{0C949B20-686F-2D4F-B5D5-6C8FB331FF64}" sibTransId="{18147709-BB5F-C04F-B2A4-E240A0B89805}"/>
+    <dgm:cxn modelId="{0A1CA075-72DB-D346-9EDB-B0D91D9D9A18}" srcId="{68981A59-F4E1-D14B-A93E-C071A0404166}" destId="{D05B3C02-FD92-C347-9F09-9DF992DF4D80}" srcOrd="1" destOrd="0" parTransId="{38D0DA02-DFC6-3E4D-AF46-522025F8CE7B}" sibTransId="{4AF21AC2-AF12-1149-86F6-87E86C3068DC}"/>
+    <dgm:cxn modelId="{267DB6BF-9A54-544D-A20E-A2DC1ECEFCC6}" srcId="{D05B3C02-FD92-C347-9F09-9DF992DF4D80}" destId="{1738874A-E4D2-C24E-8312-E0AFD8778553}" srcOrd="3" destOrd="0" parTransId="{30F68921-75E6-D249-9C9F-C9B3C7A8ED30}" sibTransId="{88599E4C-A651-ED4C-9FDD-B49D74DC2618}"/>
+    <dgm:cxn modelId="{CD3F424E-A711-B442-A9C9-400B292F152C}" type="presOf" srcId="{E7E7FC35-A0A7-3E43-8C78-60D2198BEC9C}" destId="{1F90AAEF-9AE4-0D4B-83E1-11DC5904A68B}" srcOrd="0" destOrd="0" presId="urn:microsoft.com/office/officeart/2008/layout/LinedList"/>
+    <dgm:cxn modelId="{7A933035-89E8-DD4A-9DFE-2709B5C48FA9}" srcId="{D05B3C02-FD92-C347-9F09-9DF992DF4D80}" destId="{EAD3A2F0-CA8A-9347-8F3A-B81E309E0084}" srcOrd="2" destOrd="0" parTransId="{E1328FD7-F373-3249-9C45-5DFF0A766B2B}" sibTransId="{A01ED2E8-675E-8145-84E9-6BF1A97D066D}"/>
+    <dgm:cxn modelId="{D502282A-BF31-0D4D-AE82-3850907C3B71}" type="presOf" srcId="{D76CE44C-A11A-834F-8781-AFE717D091C8}" destId="{890B7ADD-4F6D-DC4B-8F37-3DD590B06FA3}" srcOrd="0" destOrd="0" presId="urn:microsoft.com/office/officeart/2008/layout/LinedList"/>
     <dgm:cxn modelId="{E7DB4CD9-B784-8843-BDEC-9A407738DA4B}" type="presOf" srcId="{3CA036E1-8651-454A-AC37-067E24199959}" destId="{CF2C3DC3-F6AD-5044-A624-486F6E20EB30}" srcOrd="0" destOrd="0" presId="urn:microsoft.com/office/officeart/2008/layout/LinedList"/>
-    <dgm:cxn modelId="{F26880A0-2108-5D42-A2ED-6ADAD663DE93}" srcId="{4C39268B-BCDE-1B4A-B5AC-0F898BF56904}" destId="{B3DF4F35-D464-5C49-BAC1-2F7D97F0B39D}" srcOrd="0" destOrd="0" parTransId="{F6E5DBAA-CF3C-0549-8ECC-C69897B7714F}" sibTransId="{A1F7F69F-BBF7-4140-BBB6-22FDC46730ED}"/>
+    <dgm:cxn modelId="{8A336FFD-A0C5-AA4C-8A16-39E89C3CC7CA}" type="presOf" srcId="{53C45B84-F498-1C49-B438-DF3429254DBF}" destId="{C318192A-B6C5-3243-AA7F-42214914B910}" srcOrd="0" destOrd="0" presId="urn:microsoft.com/office/officeart/2008/layout/LinedList"/>
+    <dgm:cxn modelId="{9D6BF957-4F97-CB40-9807-AAD3F6661D0A}" srcId="{68981A59-F4E1-D14B-A93E-C071A0404166}" destId="{414C36E1-42CF-1548-999E-3A0ACD937219}" srcOrd="0" destOrd="0" parTransId="{74B37897-0457-374E-9B3E-A37AF432F158}" sibTransId="{B37F9A15-4F4C-074B-A75E-90AE4D07558F}"/>
+    <dgm:cxn modelId="{AF1E2C14-69D2-774B-9E50-3D29CEE6709B}" srcId="{4C39268B-BCDE-1B4A-B5AC-0F898BF56904}" destId="{3CA036E1-8651-454A-AC37-067E24199959}" srcOrd="1" destOrd="0" parTransId="{444567C7-4CEC-6F43-A8A1-F8E9EBD2CF7F}" sibTransId="{3F4D9EEA-F39A-174E-902E-CA7771218FDA}"/>
     <dgm:cxn modelId="{92DB6EA1-9B94-C140-A05D-D0A16C62DA3B}" type="presOf" srcId="{3DB1E33B-B9C1-D847-B5D6-1319B5E9C08C}" destId="{D5DE21DB-CF14-BD40-8DFD-9096AEF5BD94}" srcOrd="0" destOrd="0" presId="urn:microsoft.com/office/officeart/2008/layout/LinedList"/>
-    <dgm:cxn modelId="{C67FC2B3-68F5-5B4F-8BFB-5904FEC445B9}" srcId="{414C36E1-42CF-1548-999E-3A0ACD937219}" destId="{A5C11183-F7CD-5643-8605-5A2F1F246FC8}" srcOrd="1" destOrd="0" parTransId="{3B7E8A20-556B-8346-A8BE-E09D1DE6DAD0}" sibTransId="{3A9C11EF-6071-3143-81DA-0B2E891ADD6A}"/>
+    <dgm:cxn modelId="{4A78953C-CEC6-184C-B911-143E402FD9EE}" srcId="{414C36E1-42CF-1548-999E-3A0ACD937219}" destId="{D3D9E142-4CB1-0442-A23A-D2A3957DBD1D}" srcOrd="0" destOrd="0" parTransId="{0101A92F-A19C-5741-A318-F6FE7602C82B}" sibTransId="{7F0F5494-ACB8-8A4B-A1CD-BEE87F5472EC}"/>
     <dgm:cxn modelId="{5EC722E3-F3AE-6B4E-AC18-F86B1FE699B2}" type="presOf" srcId="{B3DF4F35-D464-5C49-BAC1-2F7D97F0B39D}" destId="{6C587594-AFB1-E443-A7C8-FCC52B5CC4FB}" srcOrd="0" destOrd="0" presId="urn:microsoft.com/office/officeart/2008/layout/LinedList"/>
     <dgm:cxn modelId="{F6BB5D2A-02D8-0C43-B51B-A13DD83B40EE}" srcId="{414C36E1-42CF-1548-999E-3A0ACD937219}" destId="{3DB1E33B-B9C1-D847-B5D6-1319B5E9C08C}" srcOrd="3" destOrd="0" parTransId="{6DC0DBD8-65D3-064B-ACC9-41420C601FA6}" sibTransId="{610AA31C-D4E9-FE43-9AA9-0B0CF425C962}"/>
-    <dgm:cxn modelId="{8A336FFD-A0C5-AA4C-8A16-39E89C3CC7CA}" type="presOf" srcId="{53C45B84-F498-1C49-B438-DF3429254DBF}" destId="{C318192A-B6C5-3243-AA7F-42214914B910}" srcOrd="0" destOrd="0" presId="urn:microsoft.com/office/officeart/2008/layout/LinedList"/>
-    <dgm:cxn modelId="{006613D5-649A-8E45-9816-2E963C2EC431}" type="presOf" srcId="{D05B3C02-FD92-C347-9F09-9DF992DF4D80}" destId="{35385EF8-2264-B646-9EC8-84A5320680C3}" srcOrd="0" destOrd="0" presId="urn:microsoft.com/office/officeart/2008/layout/LinedList"/>
-    <dgm:cxn modelId="{083D77BA-6172-FB45-B672-0A122EA9923B}" srcId="{D05B3C02-FD92-C347-9F09-9DF992DF4D80}" destId="{879D287D-8CB7-B34E-A55C-49A7A859AD26}" srcOrd="0" destOrd="0" parTransId="{7B605A40-6F8C-7C40-8B00-23FDF3EB1C64}" sibTransId="{0E678C49-53CB-9041-9F8A-ACE5E09F5624}"/>
-    <dgm:cxn modelId="{DEF6C20A-0425-BE4E-9313-610CE043E5CB}" type="presOf" srcId="{879D287D-8CB7-B34E-A55C-49A7A859AD26}" destId="{6619F128-514F-884C-82EE-8A1732E611A5}" srcOrd="0" destOrd="0" presId="urn:microsoft.com/office/officeart/2008/layout/LinedList"/>
-    <dgm:cxn modelId="{D502282A-BF31-0D4D-AE82-3850907C3B71}" type="presOf" srcId="{D76CE44C-A11A-834F-8781-AFE717D091C8}" destId="{890B7ADD-4F6D-DC4B-8F37-3DD590B06FA3}" srcOrd="0" destOrd="0" presId="urn:microsoft.com/office/officeart/2008/layout/LinedList"/>
-    <dgm:cxn modelId="{267DB6BF-9A54-544D-A20E-A2DC1ECEFCC6}" srcId="{D05B3C02-FD92-C347-9F09-9DF992DF4D80}" destId="{1738874A-E4D2-C24E-8312-E0AFD8778553}" srcOrd="3" destOrd="0" parTransId="{30F68921-75E6-D249-9C9F-C9B3C7A8ED30}" sibTransId="{88599E4C-A651-ED4C-9FDD-B49D74DC2618}"/>
+    <dgm:cxn modelId="{87071A60-9CA1-1F49-8717-7A1E3C17990A}" srcId="{D05B3C02-FD92-C347-9F09-9DF992DF4D80}" destId="{D76CE44C-A11A-834F-8781-AFE717D091C8}" srcOrd="1" destOrd="0" parTransId="{53E8F4ED-8AB2-B54C-BCAE-40D99100CAA7}" sibTransId="{72B91639-3147-0B4C-A9B7-072021E99EBB}"/>
+    <dgm:cxn modelId="{BEB843C7-FF37-6640-A012-4E83DD2D1CFA}" srcId="{3DB1E33B-B9C1-D847-B5D6-1319B5E9C08C}" destId="{6CFB21BE-CFD4-0248-B203-B5796ED731C9}" srcOrd="0" destOrd="0" parTransId="{FD8A947C-C7EC-EF46-B203-27E09BE0CBD5}" sibTransId="{D255E03E-30C9-2B4F-86FE-467B6534ED37}"/>
     <dgm:cxn modelId="{23C19B5A-ADD1-C040-A487-859CE8EEF5E9}" type="presOf" srcId="{68981A59-F4E1-D14B-A93E-C071A0404166}" destId="{F49DFEC3-1822-114C-90ED-D1F8D3963811}" srcOrd="0" destOrd="0" presId="urn:microsoft.com/office/officeart/2008/layout/LinedList"/>
-    <dgm:cxn modelId="{AF1E2C14-69D2-774B-9E50-3D29CEE6709B}" srcId="{4C39268B-BCDE-1B4A-B5AC-0F898BF56904}" destId="{3CA036E1-8651-454A-AC37-067E24199959}" srcOrd="1" destOrd="0" parTransId="{444567C7-4CEC-6F43-A8A1-F8E9EBD2CF7F}" sibTransId="{3F4D9EEA-F39A-174E-902E-CA7771218FDA}"/>
-    <dgm:cxn modelId="{CD3F424E-A711-B442-A9C9-400B292F152C}" type="presOf" srcId="{E7E7FC35-A0A7-3E43-8C78-60D2198BEC9C}" destId="{1F90AAEF-9AE4-0D4B-83E1-11DC5904A68B}" srcOrd="0" destOrd="0" presId="urn:microsoft.com/office/officeart/2008/layout/LinedList"/>
+    <dgm:cxn modelId="{A7913BDA-A8C6-AC4F-9E74-A5923C68ECF5}" type="presOf" srcId="{1738874A-E4D2-C24E-8312-E0AFD8778553}" destId="{08BFA442-EEE8-3449-BADD-4ACDFD147918}" srcOrd="0" destOrd="0" presId="urn:microsoft.com/office/officeart/2008/layout/LinedList"/>
+    <dgm:cxn modelId="{47E4A9CE-B40B-3643-86CB-F0D1C7B7309A}" type="presOf" srcId="{414C36E1-42CF-1548-999E-3A0ACD937219}" destId="{3AA0E27B-819B-2540-8404-491E5DF88266}" srcOrd="0" destOrd="0" presId="urn:microsoft.com/office/officeart/2008/layout/LinedList"/>
     <dgm:cxn modelId="{A8803090-DB52-EE40-85DE-6F7A361A0A28}" type="presOf" srcId="{EAD3A2F0-CA8A-9347-8F3A-B81E309E0084}" destId="{6A65DF4F-8CB4-0B4B-9062-70D92AB5FB15}" srcOrd="0" destOrd="0" presId="urn:microsoft.com/office/officeart/2008/layout/LinedList"/>
-    <dgm:cxn modelId="{DD3DE90A-003F-3946-BE17-98D3E17BA3F5}" type="presOf" srcId="{5F607D2B-2134-B24B-B6A0-8940C92467D7}" destId="{F29452B0-A4F2-BF4B-BBD4-59E54A6F1A67}" srcOrd="0" destOrd="0" presId="urn:microsoft.com/office/officeart/2008/layout/LinedList"/>
     <dgm:cxn modelId="{73C9900A-2E50-8B47-85AA-A7D9F581E136}" srcId="{B3DF4F35-D464-5C49-BAC1-2F7D97F0B39D}" destId="{430EAB69-7FF3-E442-A0D0-2916583A90B3}" srcOrd="1" destOrd="0" parTransId="{1E1F4351-5859-9E45-9AAB-EE0011C46825}" sibTransId="{50CFC821-EEE1-F346-B5FE-99BEAD859648}"/>
-    <dgm:cxn modelId="{A7913BDA-A8C6-AC4F-9E74-A5923C68ECF5}" type="presOf" srcId="{1738874A-E4D2-C24E-8312-E0AFD8778553}" destId="{08BFA442-EEE8-3449-BADD-4ACDFD147918}" srcOrd="0" destOrd="0" presId="urn:microsoft.com/office/officeart/2008/layout/LinedList"/>
-    <dgm:cxn modelId="{9F5D666F-7802-6A4D-A210-A694C8C661FA}" type="presOf" srcId="{D3D9E142-4CB1-0442-A23A-D2A3957DBD1D}" destId="{57993E56-2FD0-514F-A1C9-7855F95946B1}" srcOrd="0" destOrd="0" presId="urn:microsoft.com/office/officeart/2008/layout/LinedList"/>
-    <dgm:cxn modelId="{47E4A9CE-B40B-3643-86CB-F0D1C7B7309A}" type="presOf" srcId="{414C36E1-42CF-1548-999E-3A0ACD937219}" destId="{3AA0E27B-819B-2540-8404-491E5DF88266}" srcOrd="0" destOrd="0" presId="urn:microsoft.com/office/officeart/2008/layout/LinedList"/>
-    <dgm:cxn modelId="{0A1CA075-72DB-D346-9EDB-B0D91D9D9A18}" srcId="{68981A59-F4E1-D14B-A93E-C071A0404166}" destId="{D05B3C02-FD92-C347-9F09-9DF992DF4D80}" srcOrd="1" destOrd="0" parTransId="{38D0DA02-DFC6-3E4D-AF46-522025F8CE7B}" sibTransId="{4AF21AC2-AF12-1149-86F6-87E86C3068DC}"/>
-    <dgm:cxn modelId="{BEB843C7-FF37-6640-A012-4E83DD2D1CFA}" srcId="{3DB1E33B-B9C1-D847-B5D6-1319B5E9C08C}" destId="{6CFB21BE-CFD4-0248-B203-B5796ED731C9}" srcOrd="0" destOrd="0" parTransId="{FD8A947C-C7EC-EF46-B203-27E09BE0CBD5}" sibTransId="{D255E03E-30C9-2B4F-86FE-467B6534ED37}"/>
-    <dgm:cxn modelId="{7A933035-89E8-DD4A-9DFE-2709B5C48FA9}" srcId="{D05B3C02-FD92-C347-9F09-9DF992DF4D80}" destId="{EAD3A2F0-CA8A-9347-8F3A-B81E309E0084}" srcOrd="2" destOrd="0" parTransId="{E1328FD7-F373-3249-9C45-5DFF0A766B2B}" sibTransId="{A01ED2E8-675E-8145-84E9-6BF1A97D066D}"/>
-    <dgm:cxn modelId="{F5C0D6B0-CFFB-614C-B5B8-C09FA87EAF46}" srcId="{414C36E1-42CF-1548-999E-3A0ACD937219}" destId="{5F607D2B-2134-B24B-B6A0-8940C92467D7}" srcOrd="2" destOrd="0" parTransId="{7F966082-391F-F640-936E-F363D04E7403}" sibTransId="{75ED8A9C-9231-CA4B-8AD9-3A89C3A0E223}"/>
-    <dgm:cxn modelId="{AD6C18EB-20AE-1949-9AF4-E2A74CE43CE1}" srcId="{68981A59-F4E1-D14B-A93E-C071A0404166}" destId="{4C39268B-BCDE-1B4A-B5AC-0F898BF56904}" srcOrd="2" destOrd="0" parTransId="{0C949B20-686F-2D4F-B5D5-6C8FB331FF64}" sibTransId="{18147709-BB5F-C04F-B2A4-E240A0B89805}"/>
-    <dgm:cxn modelId="{02A8FF64-0437-384E-86F8-5EE16ABC9994}" type="presOf" srcId="{A5C11183-F7CD-5643-8605-5A2F1F246FC8}" destId="{92AFB807-DD50-9D4B-BC51-A2D9A0EA4720}" srcOrd="0" destOrd="0" presId="urn:microsoft.com/office/officeart/2008/layout/LinedList"/>
+    <dgm:cxn modelId="{DF9D8C24-7287-AC4F-A8D5-6BF7E4B489B1}" type="presOf" srcId="{6CFB21BE-CFD4-0248-B203-B5796ED731C9}" destId="{BC29C205-2903-7C44-98CC-4B4476958047}" srcOrd="0" destOrd="0" presId="urn:microsoft.com/office/officeart/2008/layout/LinedList"/>
+    <dgm:cxn modelId="{6601008F-49B6-2944-9C91-F72FD1E6814C}" type="presOf" srcId="{4C39268B-BCDE-1B4A-B5AC-0F898BF56904}" destId="{8E5AA270-A351-F04F-9164-FE1B81A2F178}" srcOrd="0" destOrd="0" presId="urn:microsoft.com/office/officeart/2008/layout/LinedList"/>
     <dgm:cxn modelId="{D7B73429-6AE9-1B4E-A2A9-92BC2885D6CE}" srcId="{3DB1E33B-B9C1-D847-B5D6-1319B5E9C08C}" destId="{53C45B84-F498-1C49-B438-DF3429254DBF}" srcOrd="1" destOrd="0" parTransId="{1639F27A-AA7A-1540-9F1E-A858EA765A01}" sibTransId="{4B890822-3A68-694E-A872-E4D54E934FC4}"/>
     <dgm:cxn modelId="{B5680820-9CD5-C541-B4EF-6D8B1B34142B}" type="presOf" srcId="{430EAB69-7FF3-E442-A0D0-2916583A90B3}" destId="{E1E978D7-EB98-6143-8640-852AE5F9A071}" srcOrd="0" destOrd="0" presId="urn:microsoft.com/office/officeart/2008/layout/LinedList"/>
-    <dgm:cxn modelId="{6601008F-49B6-2944-9C91-F72FD1E6814C}" type="presOf" srcId="{4C39268B-BCDE-1B4A-B5AC-0F898BF56904}" destId="{8E5AA270-A351-F04F-9164-FE1B81A2F178}" srcOrd="0" destOrd="0" presId="urn:microsoft.com/office/officeart/2008/layout/LinedList"/>
-    <dgm:cxn modelId="{9D6BF957-4F97-CB40-9807-AAD3F6661D0A}" srcId="{68981A59-F4E1-D14B-A93E-C071A0404166}" destId="{414C36E1-42CF-1548-999E-3A0ACD937219}" srcOrd="0" destOrd="0" parTransId="{74B37897-0457-374E-9B3E-A37AF432F158}" sibTransId="{B37F9A15-4F4C-074B-A75E-90AE4D07558F}"/>
-    <dgm:cxn modelId="{4A78953C-CEC6-184C-B911-143E402FD9EE}" srcId="{414C36E1-42CF-1548-999E-3A0ACD937219}" destId="{D3D9E142-4CB1-0442-A23A-D2A3957DBD1D}" srcOrd="0" destOrd="0" parTransId="{0101A92F-A19C-5741-A318-F6FE7602C82B}" sibTransId="{7F0F5494-ACB8-8A4B-A1CD-BEE87F5472EC}"/>
+    <dgm:cxn modelId="{083D77BA-6172-FB45-B672-0A122EA9923B}" srcId="{D05B3C02-FD92-C347-9F09-9DF992DF4D80}" destId="{879D287D-8CB7-B34E-A55C-49A7A859AD26}" srcOrd="0" destOrd="0" parTransId="{7B605A40-6F8C-7C40-8B00-23FDF3EB1C64}" sibTransId="{0E678C49-53CB-9041-9F8A-ACE5E09F5624}"/>
     <dgm:cxn modelId="{008269B3-2EBE-1945-ACE0-AD61D2A8CF62}" srcId="{B3DF4F35-D464-5C49-BAC1-2F7D97F0B39D}" destId="{E7E7FC35-A0A7-3E43-8C78-60D2198BEC9C}" srcOrd="0" destOrd="0" parTransId="{33FEFD8F-1F30-FA49-B78F-3E6D736B53FC}" sibTransId="{85E2A393-AE6C-904D-9C80-4F5A29572D4B}"/>
+    <dgm:cxn modelId="{DEF6C20A-0425-BE4E-9313-610CE043E5CB}" type="presOf" srcId="{879D287D-8CB7-B34E-A55C-49A7A859AD26}" destId="{6619F128-514F-884C-82EE-8A1732E611A5}" srcOrd="0" destOrd="0" presId="urn:microsoft.com/office/officeart/2008/layout/LinedList"/>
+    <dgm:cxn modelId="{006613D5-649A-8E45-9816-2E963C2EC431}" type="presOf" srcId="{D05B3C02-FD92-C347-9F09-9DF992DF4D80}" destId="{35385EF8-2264-B646-9EC8-84A5320680C3}" srcOrd="0" destOrd="0" presId="urn:microsoft.com/office/officeart/2008/layout/LinedList"/>
+    <dgm:cxn modelId="{02A8FF64-0437-384E-86F8-5EE16ABC9994}" type="presOf" srcId="{A5C11183-F7CD-5643-8605-5A2F1F246FC8}" destId="{92AFB807-DD50-9D4B-BC51-A2D9A0EA4720}" srcOrd="0" destOrd="0" presId="urn:microsoft.com/office/officeart/2008/layout/LinedList"/>
     <dgm:cxn modelId="{B60A46F8-B201-044C-A21A-69C8B6BC8BC5}" type="presParOf" srcId="{F49DFEC3-1822-114C-90ED-D1F8D3963811}" destId="{D18AF1F0-30C8-0A40-821F-5084305364D1}" srcOrd="0" destOrd="0" presId="urn:microsoft.com/office/officeart/2008/layout/LinedList"/>
     <dgm:cxn modelId="{201BAA4D-D161-CC49-BF51-D1805FB51010}" type="presParOf" srcId="{F49DFEC3-1822-114C-90ED-D1F8D3963811}" destId="{FD94FD17-4B97-964F-8D85-7887F7997983}" srcOrd="1" destOrd="0" presId="urn:microsoft.com/office/officeart/2008/layout/LinedList"/>
     <dgm:cxn modelId="{51D79F3D-C98E-5242-876D-F5C0622F2417}" type="presParOf" srcId="{FD94FD17-4B97-964F-8D85-7887F7997983}" destId="{3AA0E27B-819B-2540-8404-491E5DF88266}" srcOrd="0" destOrd="0" presId="urn:microsoft.com/office/officeart/2008/layout/LinedList"/>
@@ -5714,7 +5714,7 @@
           <a:p>
             <a:fld id="{A4A6734C-E115-4BC5-9FB0-F9BF6FABFDA0}" type="datetimeFigureOut">
               <a:rPr lang="en-US" smtClean="0"/>
-              <a:t>12/04/13</a:t>
+              <a:t>16/05/13</a:t>
             </a:fld>
             <a:endParaRPr lang="en-US"/>
           </a:p>
@@ -5966,7 +5966,7 @@
           <a:p>
             <a:fld id="{A4A6734C-E115-4BC5-9FB0-F9BF6FABFDA0}" type="datetimeFigureOut">
               <a:rPr lang="en-US" smtClean="0"/>
-              <a:t>12/04/13</a:t>
+              <a:t>16/05/13</a:t>
             </a:fld>
             <a:endParaRPr lang="en-US"/>
           </a:p>
@@ -6365,7 +6365,7 @@
           <a:p>
             <a:fld id="{A4A6734C-E115-4BC5-9FB0-F9BF6FABFDA0}" type="datetimeFigureOut">
               <a:rPr lang="en-US" smtClean="0"/>
-              <a:t>12/04/13</a:t>
+              <a:t>16/05/13</a:t>
             </a:fld>
             <a:endParaRPr lang="en-US"/>
           </a:p>
@@ -6764,7 +6764,7 @@
           <a:p>
             <a:fld id="{A4A6734C-E115-4BC5-9FB0-F9BF6FABFDA0}" type="datetimeFigureOut">
               <a:rPr lang="en-US" smtClean="0"/>
-              <a:t>12/04/13</a:t>
+              <a:t>16/05/13</a:t>
             </a:fld>
             <a:endParaRPr lang="en-US"/>
           </a:p>
@@ -7217,7 +7217,7 @@
           <a:p>
             <a:fld id="{A4A6734C-E115-4BC5-9FB0-F9BF6FABFDA0}" type="datetimeFigureOut">
               <a:rPr lang="en-US" smtClean="0"/>
-              <a:t>12/04/13</a:t>
+              <a:t>16/05/13</a:t>
             </a:fld>
             <a:endParaRPr lang="en-US"/>
           </a:p>
@@ -7772,7 +7772,7 @@
           <a:p>
             <a:fld id="{A4A6734C-E115-4BC5-9FB0-F9BF6FABFDA0}" type="datetimeFigureOut">
               <a:rPr lang="en-US" smtClean="0"/>
-              <a:t>12/04/13</a:t>
+              <a:t>16/05/13</a:t>
             </a:fld>
             <a:endParaRPr lang="en-US"/>
           </a:p>
@@ -8461,7 +8461,7 @@
           <a:p>
             <a:fld id="{A4A6734C-E115-4BC5-9FB0-F9BF6FABFDA0}" type="datetimeFigureOut">
               <a:rPr lang="en-US" smtClean="0"/>
-              <a:t>12/04/13</a:t>
+              <a:t>16/05/13</a:t>
             </a:fld>
             <a:endParaRPr lang="en-US"/>
           </a:p>
@@ -8675,7 +8675,7 @@
           <a:p>
             <a:fld id="{A4A6734C-E115-4BC5-9FB0-F9BF6FABFDA0}" type="datetimeFigureOut">
               <a:rPr lang="en-US" smtClean="0"/>
-              <a:t>12/04/13</a:t>
+              <a:t>16/05/13</a:t>
             </a:fld>
             <a:endParaRPr lang="en-US"/>
           </a:p>
@@ -8875,7 +8875,7 @@
           <a:p>
             <a:fld id="{A4A6734C-E115-4BC5-9FB0-F9BF6FABFDA0}" type="datetimeFigureOut">
               <a:rPr lang="en-US" smtClean="0"/>
-              <a:t>12/04/13</a:t>
+              <a:t>16/05/13</a:t>
             </a:fld>
             <a:endParaRPr lang="en-US"/>
           </a:p>
@@ -9178,7 +9178,7 @@
           <a:p>
             <a:fld id="{A4A6734C-E115-4BC5-9FB0-F9BF6FABFDA0}" type="datetimeFigureOut">
               <a:rPr lang="en-US" smtClean="0"/>
-              <a:t>12/04/13</a:t>
+              <a:t>16/05/13</a:t>
             </a:fld>
             <a:endParaRPr lang="en-US"/>
           </a:p>
@@ -9799,7 +9799,7 @@
           <a:p>
             <a:fld id="{A4A6734C-E115-4BC5-9FB0-F9BF6FABFDA0}" type="datetimeFigureOut">
               <a:rPr lang="en-US" smtClean="0"/>
-              <a:t>12/04/13</a:t>
+              <a:t>16/05/13</a:t>
             </a:fld>
             <a:endParaRPr lang="en-US"/>
           </a:p>
@@ -10128,7 +10128,7 @@
           <a:p>
             <a:fld id="{A4A6734C-E115-4BC5-9FB0-F9BF6FABFDA0}" type="datetimeFigureOut">
               <a:rPr lang="en-US" smtClean="0"/>
-              <a:t>12/04/13</a:t>
+              <a:t>16/05/13</a:t>
             </a:fld>
             <a:endParaRPr lang="en-US"/>
           </a:p>
@@ -10601,7 +10601,7 @@
           <a:p>
             <a:fld id="{A4A6734C-E115-4BC5-9FB0-F9BF6FABFDA0}" type="datetimeFigureOut">
               <a:rPr lang="en-US" smtClean="0"/>
-              <a:t>12/04/13</a:t>
+              <a:t>16/05/13</a:t>
             </a:fld>
             <a:endParaRPr lang="en-US"/>
           </a:p>
@@ -10745,7 +10745,7 @@
           <a:p>
             <a:fld id="{A4A6734C-E115-4BC5-9FB0-F9BF6FABFDA0}" type="datetimeFigureOut">
               <a:rPr lang="en-US" smtClean="0"/>
-              <a:t>12/04/13</a:t>
+              <a:t>16/05/13</a:t>
             </a:fld>
             <a:endParaRPr lang="en-US"/>
           </a:p>
@@ -10835,7 +10835,7 @@
           <a:p>
             <a:fld id="{A4A6734C-E115-4BC5-9FB0-F9BF6FABFDA0}" type="datetimeFigureOut">
               <a:rPr lang="en-US" smtClean="0"/>
-              <a:t>12/04/13</a:t>
+              <a:t>16/05/13</a:t>
             </a:fld>
             <a:endParaRPr lang="en-US"/>
           </a:p>
@@ -11116,7 +11116,7 @@
           <a:p>
             <a:fld id="{A4A6734C-E115-4BC5-9FB0-F9BF6FABFDA0}" type="datetimeFigureOut">
               <a:rPr lang="en-US" smtClean="0"/>
-              <a:t>12/04/13</a:t>
+              <a:t>16/05/13</a:t>
             </a:fld>
             <a:endParaRPr lang="en-US"/>
           </a:p>
@@ -11412,7 +11412,7 @@
           <a:p>
             <a:fld id="{A4A6734C-E115-4BC5-9FB0-F9BF6FABFDA0}" type="datetimeFigureOut">
               <a:rPr lang="en-US" smtClean="0"/>
-              <a:t>12/04/13</a:t>
+              <a:t>16/05/13</a:t>
             </a:fld>
             <a:endParaRPr lang="en-US"/>
           </a:p>
@@ -12074,8 +12074,25 @@
           <a:p>
             <a:r>
               <a:rPr lang="en-US" dirty="0" smtClean="0"/>
-              <a:t>The demo app is checked out and running.</a:t>
-            </a:r>
+              <a:t>The demo app is checked out and </a:t>
+            </a:r>
+            <a:r>
+              <a:rPr lang="en-US" dirty="0" smtClean="0"/>
+              <a:t>running from - </a:t>
+            </a:r>
+            <a:r>
+              <a:rPr lang="fr-FR" dirty="0" err="1"/>
+              <a:t>git@github.com:androidbootcamp</a:t>
+            </a:r>
+            <a:r>
+              <a:rPr lang="fr-FR" dirty="0"/>
+              <a:t>/</a:t>
+            </a:r>
+            <a:r>
+              <a:rPr lang="fr-FR" dirty="0" err="1"/>
+              <a:t>DroidBootcamp.git</a:t>
+            </a:r>
+            <a:endParaRPr lang="en-US" dirty="0" smtClean="0"/>
           </a:p>
         </p:txBody>
       </p:sp>
@@ -12448,7 +12465,6 @@
               <a:rPr lang="en-US" dirty="0" smtClean="0"/>
               <a:t>Change the result to sum of two inputs.</a:t>
             </a:r>
-            <a:endParaRPr lang="en-US" dirty="0" smtClean="0"/>
           </a:p>
         </p:txBody>
       </p:sp>
